--- a/Analysis of Egyptian Tech Salaries 2024.pptx
+++ b/Analysis of Egyptian Tech Salaries 2024.pptx
@@ -260,7 +260,7 @@
           <a:p>
             <a:fld id="{F352A77B-D33C-49B3-A83C-450AA2ED72B3}" type="datetimeFigureOut">
               <a:rPr lang="en-US" smtClean="0"/>
-              <a:t>6/24/2024</a:t>
+              <a:t>6/25/2024</a:t>
             </a:fld>
             <a:endParaRPr lang="en-US" dirty="0"/>
           </a:p>
@@ -437,7 +437,7 @@
           <a:p>
             <a:fld id="{E38D8F9A-F5CB-4EF8-A859-ED5E107B9763}" type="datetimeFigureOut">
               <a:rPr lang="en-US" smtClean="0"/>
-              <a:t>6/24/2024</a:t>
+              <a:t>6/25/2024</a:t>
             </a:fld>
             <a:endParaRPr lang="en-US" dirty="0"/>
           </a:p>
@@ -9544,51 +9544,6 @@
           </a:p>
         </p:txBody>
       </p:sp>
-      <p:sp>
-        <p:nvSpPr>
-          <p:cNvPr id="13" name="TextBox 12">
-            <a:extLst>
-              <a:ext uri="{FF2B5EF4-FFF2-40B4-BE49-F238E27FC236}">
-                <a16:creationId xmlns:a16="http://schemas.microsoft.com/office/drawing/2014/main" id="{1C8E2E54-638B-3BD1-420F-02FF05A58352}"/>
-              </a:ext>
-            </a:extLst>
-          </p:cNvPr>
-          <p:cNvSpPr txBox="1"/>
-          <p:nvPr/>
-        </p:nvSpPr>
-        <p:spPr>
-          <a:xfrm>
-            <a:off x="6086170" y="2531313"/>
-            <a:ext cx="2979174" cy="646331"/>
-          </a:xfrm>
-          <a:prstGeom prst="rect">
-            <a:avLst/>
-          </a:prstGeom>
-          <a:noFill/>
-        </p:spPr>
-        <p:txBody>
-          <a:bodyPr wrap="square" rtlCol="0">
-            <a:spAutoFit/>
-          </a:bodyPr>
-          <a:lstStyle/>
-          <a:p>
-            <a:r>
-              <a:rPr lang="en-US" sz="3600" dirty="0">
-                <a:solidFill>
-                  <a:schemeClr val="bg1"/>
-                </a:solidFill>
-                <a:hlinkClick r:id="rId11"/>
-              </a:rPr>
-              <a:t>Project link </a:t>
-            </a:r>
-            <a:endParaRPr lang="en-US" sz="3600" dirty="0">
-              <a:solidFill>
-                <a:schemeClr val="bg1"/>
-              </a:solidFill>
-            </a:endParaRPr>
-          </a:p>
-        </p:txBody>
-      </p:sp>
       <p:pic>
         <p:nvPicPr>
           <p:cNvPr id="14" name="Picture 13" descr="A logo with different colors on it&#10;&#10;Description automatically generated">
@@ -9604,7 +9559,7 @@
           <p:nvPr/>
         </p:nvPicPr>
         <p:blipFill>
-          <a:blip r:embed="rId12"/>
+          <a:blip r:embed="rId11"/>
           <a:stretch>
             <a:fillRect/>
           </a:stretch>
@@ -9619,6 +9574,51 @@
           </a:prstGeom>
         </p:spPr>
       </p:pic>
+      <p:sp>
+        <p:nvSpPr>
+          <p:cNvPr id="2" name="TextBox 1">
+            <a:extLst>
+              <a:ext uri="{FF2B5EF4-FFF2-40B4-BE49-F238E27FC236}">
+                <a16:creationId xmlns:a16="http://schemas.microsoft.com/office/drawing/2014/main" id="{356F311C-E518-9EC1-11EE-1B181996FC70}"/>
+              </a:ext>
+            </a:extLst>
+          </p:cNvPr>
+          <p:cNvSpPr txBox="1"/>
+          <p:nvPr/>
+        </p:nvSpPr>
+        <p:spPr>
+          <a:xfrm>
+            <a:off x="5963695" y="2349366"/>
+            <a:ext cx="2747686" cy="584775"/>
+          </a:xfrm>
+          <a:prstGeom prst="rect">
+            <a:avLst/>
+          </a:prstGeom>
+          <a:noFill/>
+        </p:spPr>
+        <p:txBody>
+          <a:bodyPr wrap="square" rtlCol="0">
+            <a:spAutoFit/>
+          </a:bodyPr>
+          <a:lstStyle/>
+          <a:p>
+            <a:r>
+              <a:rPr lang="en-US" sz="3200" dirty="0">
+                <a:solidFill>
+                  <a:schemeClr val="bg1"/>
+                </a:solidFill>
+                <a:hlinkClick r:id="rId12"/>
+              </a:rPr>
+              <a:t>Project Link </a:t>
+            </a:r>
+            <a:endParaRPr lang="en-US" sz="3200" dirty="0">
+              <a:solidFill>
+                <a:schemeClr val="bg1"/>
+              </a:solidFill>
+            </a:endParaRPr>
+          </a:p>
+        </p:txBody>
+      </p:sp>
     </p:spTree>
     <p:extLst>
       <p:ext uri="{BB962C8B-B14F-4D97-AF65-F5344CB8AC3E}">
@@ -11166,6 +11166,15 @@
 </file>
 
 <file path=customXml/item2.xml><?xml version="1.0" encoding="utf-8"?>
+<?mso-contentType ?>
+<FormTemplates xmlns="http://schemas.microsoft.com/sharepoint/v3/contenttype/forms">
+  <Display>DocumentLibraryForm</Display>
+  <Edit>DocumentLibraryForm</Edit>
+  <New>DocumentLibraryForm</New>
+</FormTemplates>
+</file>
+
+<file path=customXml/item3.xml><?xml version="1.0" encoding="utf-8"?>
 <ct:contentTypeSchema xmlns:ct="http://schemas.microsoft.com/office/2006/metadata/contentType" xmlns:ma="http://schemas.microsoft.com/office/2006/metadata/properties/metaAttributes" ct:_="" ma:_="" ma:contentTypeName="Document" ma:contentTypeID="0x01010079F111ED35F8CC479449609E8A0923A6" ma:contentTypeVersion="28" ma:contentTypeDescription="Create a new document." ma:contentTypeScope="" ma:versionID="60f5a4f2d2b0abadcf532d48ebf9cb71">
   <xsd:schema xmlns:xsd="http://www.w3.org/2001/XMLSchema" xmlns:xs="http://www.w3.org/2001/XMLSchema" xmlns:p="http://schemas.microsoft.com/office/2006/metadata/properties" xmlns:ns1="http://schemas.microsoft.com/sharepoint/v3" xmlns:ns2="71af3243-3dd4-4a8d-8c0d-dd76da1f02a5" xmlns:ns3="16c05727-aa75-4e4a-9b5f-8a80a1165891" xmlns:ns4="230e9df3-be65-4c73-a93b-d1236ebd677e" targetNamespace="http://schemas.microsoft.com/office/2006/metadata/properties" ma:root="true" ma:fieldsID="7dd78129e6a1811f84807ad11c651531" ns1:_="" ns2:_="" ns3:_="" ns4:_="">
     <xsd:import namespace="http://schemas.microsoft.com/sharepoint/v3"/>
@@ -11477,15 +11486,6 @@
 </ct:contentTypeSchema>
 </file>
 
-<file path=customXml/item3.xml><?xml version="1.0" encoding="utf-8"?>
-<?mso-contentType ?>
-<FormTemplates xmlns="http://schemas.microsoft.com/sharepoint/v3/contenttype/forms">
-  <Display>DocumentLibraryForm</Display>
-  <Edit>DocumentLibraryForm</Edit>
-  <New>DocumentLibraryForm</New>
-</FormTemplates>
-</file>
-
 <file path=customXml/itemProps1.xml><?xml version="1.0" encoding="utf-8"?>
 <ds:datastoreItem xmlns:ds="http://schemas.openxmlformats.org/officeDocument/2006/customXml" ds:itemID="{AB045227-5724-4DBF-9712-031B1BFB2C3C}">
   <ds:schemaRefs>
@@ -11499,6 +11499,14 @@
 </file>
 
 <file path=customXml/itemProps2.xml><?xml version="1.0" encoding="utf-8"?>
+<ds:datastoreItem xmlns:ds="http://schemas.openxmlformats.org/officeDocument/2006/customXml" ds:itemID="{B7B39BD0-040C-43BE-B0E4-512B09E8003F}">
+  <ds:schemaRefs>
+    <ds:schemaRef ds:uri="http://schemas.microsoft.com/sharepoint/v3/contenttype/forms"/>
+  </ds:schemaRefs>
+</ds:datastoreItem>
+</file>
+
+<file path=customXml/itemProps3.xml><?xml version="1.0" encoding="utf-8"?>
 <ds:datastoreItem xmlns:ds="http://schemas.openxmlformats.org/officeDocument/2006/customXml" ds:itemID="{622457D9-12AC-4794-A05E-F1B90FCD8DA7}">
   <ds:schemaRefs>
     <ds:schemaRef ds:uri="http://schemas.microsoft.com/office/2006/metadata/contentType"/>
@@ -11519,14 +11527,6 @@
 </ds:datastoreItem>
 </file>
 
-<file path=customXml/itemProps3.xml><?xml version="1.0" encoding="utf-8"?>
-<ds:datastoreItem xmlns:ds="http://schemas.openxmlformats.org/officeDocument/2006/customXml" ds:itemID="{B7B39BD0-040C-43BE-B0E4-512B09E8003F}">
-  <ds:schemaRefs>
-    <ds:schemaRef ds:uri="http://schemas.microsoft.com/sharepoint/v3/contenttype/forms"/>
-  </ds:schemaRefs>
-</ds:datastoreItem>
-</file>
-
 <file path=docMetadata/LabelInfo.xml><?xml version="1.0" encoding="utf-8"?>
 <clbl:labelList xmlns:clbl="http://schemas.microsoft.com/office/2020/mipLabelMetadata"/>
 </file>
--- a/Analysis of Egyptian Tech Salaries 2024.pptx
+++ b/Analysis of Egyptian Tech Salaries 2024.pptx
@@ -9350,7 +9350,7 @@
           <a:p>
             <a:r>
               <a:rPr lang="en-US" sz="3200" dirty="0"/>
-              <a:t>Thank for </a:t>
+              <a:t>Thanks for </a:t>
             </a:r>
             <a:br>
               <a:rPr lang="en-US" sz="3200" dirty="0"/>
@@ -11166,15 +11166,6 @@
 </file>
 
 <file path=customXml/item2.xml><?xml version="1.0" encoding="utf-8"?>
-<?mso-contentType ?>
-<FormTemplates xmlns="http://schemas.microsoft.com/sharepoint/v3/contenttype/forms">
-  <Display>DocumentLibraryForm</Display>
-  <Edit>DocumentLibraryForm</Edit>
-  <New>DocumentLibraryForm</New>
-</FormTemplates>
-</file>
-
-<file path=customXml/item3.xml><?xml version="1.0" encoding="utf-8"?>
 <ct:contentTypeSchema xmlns:ct="http://schemas.microsoft.com/office/2006/metadata/contentType" xmlns:ma="http://schemas.microsoft.com/office/2006/metadata/properties/metaAttributes" ct:_="" ma:_="" ma:contentTypeName="Document" ma:contentTypeID="0x01010079F111ED35F8CC479449609E8A0923A6" ma:contentTypeVersion="28" ma:contentTypeDescription="Create a new document." ma:contentTypeScope="" ma:versionID="60f5a4f2d2b0abadcf532d48ebf9cb71">
   <xsd:schema xmlns:xsd="http://www.w3.org/2001/XMLSchema" xmlns:xs="http://www.w3.org/2001/XMLSchema" xmlns:p="http://schemas.microsoft.com/office/2006/metadata/properties" xmlns:ns1="http://schemas.microsoft.com/sharepoint/v3" xmlns:ns2="71af3243-3dd4-4a8d-8c0d-dd76da1f02a5" xmlns:ns3="16c05727-aa75-4e4a-9b5f-8a80a1165891" xmlns:ns4="230e9df3-be65-4c73-a93b-d1236ebd677e" targetNamespace="http://schemas.microsoft.com/office/2006/metadata/properties" ma:root="true" ma:fieldsID="7dd78129e6a1811f84807ad11c651531" ns1:_="" ns2:_="" ns3:_="" ns4:_="">
     <xsd:import namespace="http://schemas.microsoft.com/sharepoint/v3"/>
@@ -11486,6 +11477,15 @@
 </ct:contentTypeSchema>
 </file>
 
+<file path=customXml/item3.xml><?xml version="1.0" encoding="utf-8"?>
+<?mso-contentType ?>
+<FormTemplates xmlns="http://schemas.microsoft.com/sharepoint/v3/contenttype/forms">
+  <Display>DocumentLibraryForm</Display>
+  <Edit>DocumentLibraryForm</Edit>
+  <New>DocumentLibraryForm</New>
+</FormTemplates>
+</file>
+
 <file path=customXml/itemProps1.xml><?xml version="1.0" encoding="utf-8"?>
 <ds:datastoreItem xmlns:ds="http://schemas.openxmlformats.org/officeDocument/2006/customXml" ds:itemID="{AB045227-5724-4DBF-9712-031B1BFB2C3C}">
   <ds:schemaRefs>
@@ -11499,14 +11499,6 @@
 </file>
 
 <file path=customXml/itemProps2.xml><?xml version="1.0" encoding="utf-8"?>
-<ds:datastoreItem xmlns:ds="http://schemas.openxmlformats.org/officeDocument/2006/customXml" ds:itemID="{B7B39BD0-040C-43BE-B0E4-512B09E8003F}">
-  <ds:schemaRefs>
-    <ds:schemaRef ds:uri="http://schemas.microsoft.com/sharepoint/v3/contenttype/forms"/>
-  </ds:schemaRefs>
-</ds:datastoreItem>
-</file>
-
-<file path=customXml/itemProps3.xml><?xml version="1.0" encoding="utf-8"?>
 <ds:datastoreItem xmlns:ds="http://schemas.openxmlformats.org/officeDocument/2006/customXml" ds:itemID="{622457D9-12AC-4794-A05E-F1B90FCD8DA7}">
   <ds:schemaRefs>
     <ds:schemaRef ds:uri="http://schemas.microsoft.com/office/2006/metadata/contentType"/>
@@ -11527,6 +11519,14 @@
 </ds:datastoreItem>
 </file>
 
+<file path=customXml/itemProps3.xml><?xml version="1.0" encoding="utf-8"?>
+<ds:datastoreItem xmlns:ds="http://schemas.openxmlformats.org/officeDocument/2006/customXml" ds:itemID="{B7B39BD0-040C-43BE-B0E4-512B09E8003F}">
+  <ds:schemaRefs>
+    <ds:schemaRef ds:uri="http://schemas.microsoft.com/sharepoint/v3/contenttype/forms"/>
+  </ds:schemaRefs>
+</ds:datastoreItem>
+</file>
+
 <file path=docMetadata/LabelInfo.xml><?xml version="1.0" encoding="utf-8"?>
 <clbl:labelList xmlns:clbl="http://schemas.microsoft.com/office/2020/mipLabelMetadata"/>
 </file>